--- a/毕业设计/2021215239-王珂-软件学院本科毕业设计汇报检查PPT（第1次）.pptx
+++ b/毕业设计/2021215239-王珂-软件学院本科毕业设计汇报检查PPT（第1次）.pptx
@@ -6335,7 +6335,19 @@
               <a:rPr lang="zh-CN" altLang="en-US" dirty="0">
                 <a:sym typeface="+mn-ea"/>
               </a:rPr>
-              <a:t>开发出一套可供用户交互的</a:t>
+              <a:t>开发出一套具有可交互</a:t>
+            </a:r>
+            <a:r>
+              <a:rPr lang="zh-CN" altLang="en-US" dirty="0">
+                <a:sym typeface="+mn-ea"/>
+              </a:rPr>
+              <a:t>应用界面系统</a:t>
+            </a:r>
+            <a:r>
+              <a:rPr lang="zh-CN" altLang="en-US" dirty="0">
+                <a:sym typeface="+mn-ea"/>
+              </a:rPr>
+              <a:t>的移动端</a:t>
             </a:r>
             <a:r>
               <a:rPr lang="en-US" altLang="zh-CN" dirty="0">
@@ -6347,7 +6359,7 @@
               <a:rPr lang="zh-CN" altLang="en-US" dirty="0">
                 <a:sym typeface="+mn-ea"/>
               </a:rPr>
-              <a:t>应用界面系统，帮助</a:t>
+              <a:t>应用，帮助</a:t>
             </a:r>
             <a:r>
               <a:rPr lang="zh-CN" altLang="en-US" dirty="0">
@@ -6510,39 +6522,13 @@
             <a:pPr lvl="1"/>
             <a:r>
               <a:rPr lang="zh-CN" altLang="en-US" dirty="0"/>
-              <a:t>在原生安卓开发框架之上，构建出一套</a:t>
-            </a:r>
-            <a:r>
-              <a:rPr lang="zh-CN" altLang="en-US" dirty="0">
-                <a:sym typeface="+mn-ea"/>
-              </a:rPr>
-              <a:t>可供用户交互</a:t>
-            </a:r>
-            <a:r>
-              <a:rPr lang="zh-CN" altLang="en-US" dirty="0">
-                <a:sym typeface="+mn-ea"/>
-              </a:rPr>
-              <a:t>使用的</a:t>
-            </a:r>
-            <a:r>
-              <a:rPr lang="en-US" altLang="zh-CN" dirty="0">
-                <a:sym typeface="+mn-ea"/>
-              </a:rPr>
-              <a:t>Android</a:t>
-            </a:r>
-            <a:r>
-              <a:rPr lang="zh-CN" altLang="en-US" dirty="0">
-                <a:sym typeface="+mn-ea"/>
-              </a:rPr>
-              <a:t>应用系统</a:t>
+              <a:t>在原生安卓开发框架之上，整合三方应用库进行</a:t>
+            </a:r>
+            <a:r>
+              <a:rPr lang="zh-CN" altLang="en-US" dirty="0"/>
+              <a:t>开发</a:t>
             </a:r>
             <a:endParaRPr lang="zh-CN" altLang="en-US" dirty="0"/>
-          </a:p>
-          <a:p>
-            <a:pPr marL="0" indent="0">
-              <a:buNone/>
-            </a:pPr>
-            <a:endParaRPr lang="en-US" altLang="zh-CN" dirty="0"/>
           </a:p>
         </p:txBody>
       </p:sp>

--- a/毕业设计/2021215239-王珂-软件学院本科毕业设计汇报检查PPT（第1次）.pptx
+++ b/毕业设计/2021215239-王珂-软件学院本科毕业设计汇报检查PPT（第1次）.pptx
@@ -6522,7 +6522,11 @@
             <a:pPr lvl="1"/>
             <a:r>
               <a:rPr lang="zh-CN" altLang="en-US" dirty="0"/>
-              <a:t>在原生安卓开发框架之上，整合三方应用库进行</a:t>
+              <a:t>在原生安卓开发框架之上，整合</a:t>
+            </a:r>
+            <a:r>
+              <a:rPr lang="zh-CN" altLang="en-US" dirty="0"/>
+              <a:t>第三方库进行</a:t>
             </a:r>
             <a:r>
               <a:rPr lang="zh-CN" altLang="en-US" dirty="0"/>

--- a/毕业设计/2021215239-王珂-软件学院本科毕业设计汇报检查PPT（第1次）.pptx
+++ b/毕业设计/2021215239-王珂-软件学院本科毕业设计汇报检查PPT（第1次）.pptx
@@ -5,25 +5,28 @@
     <p:sldMasterId id="2147483648" r:id="rId1"/>
   </p:sldMasterIdLst>
   <p:notesMasterIdLst>
-    <p:notesMasterId r:id="rId11"/>
+    <p:notesMasterId r:id="rId14"/>
   </p:notesMasterIdLst>
   <p:handoutMasterIdLst>
-    <p:handoutMasterId r:id="rId12"/>
+    <p:handoutMasterId r:id="rId15"/>
   </p:handoutMasterIdLst>
   <p:sldIdLst>
     <p:sldId id="634" r:id="rId3"/>
     <p:sldId id="606" r:id="rId4"/>
     <p:sldId id="644" r:id="rId5"/>
     <p:sldId id="649" r:id="rId6"/>
-    <p:sldId id="642" r:id="rId7"/>
-    <p:sldId id="643" r:id="rId8"/>
-    <p:sldId id="650" r:id="rId9"/>
-    <p:sldId id="633" r:id="rId10"/>
+    <p:sldId id="655" r:id="rId7"/>
+    <p:sldId id="654" r:id="rId8"/>
+    <p:sldId id="642" r:id="rId9"/>
+    <p:sldId id="643" r:id="rId10"/>
+    <p:sldId id="660" r:id="rId11"/>
+    <p:sldId id="650" r:id="rId12"/>
+    <p:sldId id="633" r:id="rId13"/>
   </p:sldIdLst>
   <p:sldSz cx="9144000" cy="6858000" type="screen4x3"/>
   <p:notesSz cx="6858000" cy="9144000"/>
   <p:custDataLst>
-    <p:tags r:id="rId16"/>
+    <p:tags r:id="rId19"/>
   </p:custDataLst>
   <p:defaultTextStyle>
     <a:defPPr>
@@ -249,12 +252,12 @@
   <p:extLst>
     <p:ext uri="{EFAFB233-063F-42B5-8137-9DF3F51BA10A}">
       <p15:sldGuideLst xmlns:p15="http://schemas.microsoft.com/office/powerpoint/2012/main">
-        <p15:guide id="1" orient="horz" pos="2159" userDrawn="1">
+        <p15:guide id="1" orient="horz" pos="2180" userDrawn="1">
           <p15:clr>
             <a:srgbClr val="A4A3A4"/>
           </p15:clr>
         </p15:guide>
-        <p15:guide id="2" pos="2880" userDrawn="1">
+        <p15:guide id="2" pos="2855" userDrawn="1">
           <p15:clr>
             <a:srgbClr val="A4A3A4"/>
           </p15:clr>
@@ -5956,6 +5959,460 @@
 </p:sld>
 </file>
 
+<file path=ppt/slides/slide10.xml><?xml version="1.0" encoding="utf-8"?>
+<p:sld xmlns:a="http://schemas.openxmlformats.org/drawingml/2006/main" xmlns:r="http://schemas.openxmlformats.org/officeDocument/2006/relationships" xmlns:p="http://schemas.openxmlformats.org/presentationml/2006/main">
+  <p:cSld>
+    <p:spTree>
+      <p:nvGrpSpPr>
+        <p:cNvPr id="1" name=""/>
+        <p:cNvGrpSpPr/>
+        <p:nvPr/>
+      </p:nvGrpSpPr>
+      <p:grpSpPr>
+        <a:xfrm>
+          <a:off x="0" y="0"/>
+          <a:ext cx="0" cy="0"/>
+          <a:chOff x="0" y="0"/>
+          <a:chExt cx="0" cy="0"/>
+        </a:xfrm>
+      </p:grpSpPr>
+      <p:sp>
+        <p:nvSpPr>
+          <p:cNvPr id="19458" name="Rectangle 2"/>
+          <p:cNvSpPr>
+            <a:spLocks noGrp="1"/>
+          </p:cNvSpPr>
+          <p:nvPr>
+            <p:ph type="title"/>
+          </p:nvPr>
+        </p:nvSpPr>
+        <p:spPr>
+          <a:xfrm>
+            <a:off x="1115695" y="332423"/>
+            <a:ext cx="4464050" cy="747712"/>
+          </a:xfrm>
+          <a:noFill/>
+          <a:ln>
+            <a:noFill/>
+          </a:ln>
+        </p:spPr>
+        <p:txBody>
+          <a:bodyPr/>
+          <a:lstStyle/>
+          <a:p>
+            <a:r>
+              <a:rPr lang="zh-CN" altLang="en-US" dirty="0"/>
+              <a:t>预期</a:t>
+            </a:r>
+            <a:r>
+              <a:rPr lang="zh-CN" altLang="en-US" dirty="0"/>
+              <a:t>成果</a:t>
+            </a:r>
+            <a:endParaRPr lang="zh-CN" altLang="en-US" dirty="0"/>
+          </a:p>
+        </p:txBody>
+      </p:sp>
+      <p:sp>
+        <p:nvSpPr>
+          <p:cNvPr id="19459" name="Rectangle 3"/>
+          <p:cNvSpPr>
+            <a:spLocks noGrp="1"/>
+          </p:cNvSpPr>
+          <p:nvPr>
+            <p:ph idx="1"/>
+          </p:nvPr>
+        </p:nvSpPr>
+        <p:spPr>
+          <a:xfrm>
+            <a:off x="539750" y="1579880"/>
+            <a:ext cx="8207375" cy="4531995"/>
+          </a:xfrm>
+          <a:noFill/>
+          <a:ln>
+            <a:noFill/>
+          </a:ln>
+        </p:spPr>
+        <p:txBody>
+          <a:bodyPr/>
+          <a:lstStyle/>
+          <a:p>
+            <a:r>
+              <a:rPr lang="zh-CN" altLang="en-US" dirty="0"/>
+              <a:t>应用功能</a:t>
+            </a:r>
+            <a:endParaRPr lang="en-US" altLang="zh-CN" dirty="0">
+              <a:sym typeface="+mn-ea"/>
+            </a:endParaRPr>
+          </a:p>
+          <a:p>
+            <a:pPr marL="914400" lvl="3"/>
+            <a:r>
+              <a:rPr lang="zh-CN" altLang="en-US" sz="2400" dirty="0">
+                <a:latin typeface="微软雅黑" panose="020B0503020204020204" charset="-122"/>
+                <a:ea typeface="微软雅黑" panose="020B0503020204020204" charset="-122"/>
+                <a:cs typeface="微软雅黑" panose="020B0503020204020204" charset="-122"/>
+                <a:sym typeface="+mn-ea"/>
+              </a:rPr>
+              <a:t>完成一个具有可交互界面系统的移动端安卓应用，包含</a:t>
+            </a:r>
+            <a:r>
+              <a:rPr lang="en-US" altLang="zh-CN" sz="2400" dirty="0">
+                <a:latin typeface="微软雅黑" panose="020B0503020204020204" charset="-122"/>
+                <a:ea typeface="微软雅黑" panose="020B0503020204020204" charset="-122"/>
+                <a:cs typeface="微软雅黑" panose="020B0503020204020204" charset="-122"/>
+                <a:sym typeface="+mn-ea"/>
+              </a:rPr>
+              <a:t>AI加持分析</a:t>
+            </a:r>
+            <a:r>
+              <a:rPr lang="zh-CN" altLang="en-US" sz="2400" dirty="0">
+                <a:latin typeface="微软雅黑" panose="020B0503020204020204" charset="-122"/>
+                <a:ea typeface="微软雅黑" panose="020B0503020204020204" charset="-122"/>
+                <a:cs typeface="微软雅黑" panose="020B0503020204020204" charset="-122"/>
+                <a:sym typeface="+mn-ea"/>
+              </a:rPr>
+              <a:t>、</a:t>
+            </a:r>
+            <a:r>
+              <a:rPr lang="en-US" altLang="zh-CN" sz="2400" dirty="0">
+                <a:latin typeface="微软雅黑" panose="020B0503020204020204" charset="-122"/>
+                <a:ea typeface="微软雅黑" panose="020B0503020204020204" charset="-122"/>
+                <a:cs typeface="微软雅黑" panose="020B0503020204020204" charset="-122"/>
+                <a:sym typeface="+mn-ea"/>
+              </a:rPr>
+              <a:t>每日摄入</a:t>
+            </a:r>
+            <a:r>
+              <a:rPr lang="zh-CN" altLang="en-US" sz="2400" dirty="0">
+                <a:latin typeface="微软雅黑" panose="020B0503020204020204" charset="-122"/>
+                <a:ea typeface="微软雅黑" panose="020B0503020204020204" charset="-122"/>
+                <a:cs typeface="微软雅黑" panose="020B0503020204020204" charset="-122"/>
+                <a:sym typeface="+mn-ea"/>
+              </a:rPr>
+              <a:t>记录、食物</a:t>
+            </a:r>
+            <a:r>
+              <a:rPr lang="en-US" altLang="zh-CN" sz="2400" dirty="0">
+                <a:latin typeface="微软雅黑" panose="020B0503020204020204" charset="-122"/>
+                <a:ea typeface="微软雅黑" panose="020B0503020204020204" charset="-122"/>
+                <a:cs typeface="微软雅黑" panose="020B0503020204020204" charset="-122"/>
+                <a:sym typeface="+mn-ea"/>
+              </a:rPr>
+              <a:t>营养分析</a:t>
+            </a:r>
+            <a:r>
+              <a:rPr lang="zh-CN" altLang="en-US" sz="2400" dirty="0">
+                <a:latin typeface="微软雅黑" panose="020B0503020204020204" charset="-122"/>
+                <a:ea typeface="微软雅黑" panose="020B0503020204020204" charset="-122"/>
+                <a:cs typeface="微软雅黑" panose="020B0503020204020204" charset="-122"/>
+                <a:sym typeface="+mn-ea"/>
+              </a:rPr>
+              <a:t>等功能，为用户提供饮食健康方面的快捷帮助</a:t>
+            </a:r>
+            <a:endParaRPr lang="zh-CN" altLang="en-US" sz="2400" dirty="0">
+              <a:latin typeface="微软雅黑" panose="020B0503020204020204" charset="-122"/>
+              <a:ea typeface="微软雅黑" panose="020B0503020204020204" charset="-122"/>
+              <a:cs typeface="微软雅黑" panose="020B0503020204020204" charset="-122"/>
+              <a:sym typeface="+mn-ea"/>
+            </a:endParaRPr>
+          </a:p>
+          <a:p>
+            <a:pPr marL="914400" lvl="3"/>
+            <a:endParaRPr lang="en-US" altLang="zh-CN" b="1" dirty="0">
+              <a:sym typeface="+mn-ea"/>
+            </a:endParaRPr>
+          </a:p>
+          <a:p>
+            <a:r>
+              <a:rPr lang="zh-CN" altLang="en-US" dirty="0">
+                <a:sym typeface="+mn-ea"/>
+              </a:rPr>
+              <a:t>技术成果产出</a:t>
+            </a:r>
+            <a:endParaRPr lang="zh-CN" altLang="en-US" dirty="0">
+              <a:sym typeface="+mn-ea"/>
+            </a:endParaRPr>
+          </a:p>
+          <a:p>
+            <a:pPr lvl="1"/>
+            <a:r>
+              <a:rPr lang="zh-CN" altLang="en-US" sz="2400" dirty="0">
+                <a:latin typeface="微软雅黑" panose="020B0503020204020204" charset="-122"/>
+                <a:ea typeface="微软雅黑" panose="020B0503020204020204" charset="-122"/>
+                <a:cs typeface="+mn-ea"/>
+                <a:sym typeface="+mn-ea"/>
+              </a:rPr>
+              <a:t>撰写</a:t>
+            </a:r>
+            <a:r>
+              <a:rPr lang="en-US" altLang="zh-CN" sz="2400" dirty="0">
+                <a:latin typeface="微软雅黑" panose="020B0503020204020204" charset="-122"/>
+                <a:ea typeface="微软雅黑" panose="020B0503020204020204" charset="-122"/>
+                <a:cs typeface="+mn-ea"/>
+                <a:sym typeface="+mn-ea"/>
+              </a:rPr>
+              <a:t>相关学术论文，详细介绍</a:t>
+            </a:r>
+            <a:r>
+              <a:rPr lang="zh-CN" altLang="en-US" sz="2400" dirty="0">
+                <a:latin typeface="微软雅黑" panose="020B0503020204020204" charset="-122"/>
+                <a:ea typeface="微软雅黑" panose="020B0503020204020204" charset="-122"/>
+                <a:cs typeface="+mn-ea"/>
+                <a:sym typeface="+mn-ea"/>
+              </a:rPr>
+              <a:t>归纳本</a:t>
+            </a:r>
+            <a:r>
+              <a:rPr lang="en-US" altLang="zh-CN" sz="2400" dirty="0">
+                <a:latin typeface="微软雅黑" panose="020B0503020204020204" charset="-122"/>
+                <a:ea typeface="微软雅黑" panose="020B0503020204020204" charset="-122"/>
+                <a:cs typeface="+mn-ea"/>
+                <a:sym typeface="+mn-ea"/>
+              </a:rPr>
+              <a:t>系统的</a:t>
+            </a:r>
+            <a:r>
+              <a:rPr lang="zh-CN" altLang="en-US" sz="2400" dirty="0">
+                <a:latin typeface="微软雅黑" panose="020B0503020204020204" charset="-122"/>
+                <a:ea typeface="微软雅黑" panose="020B0503020204020204" charset="-122"/>
+                <a:cs typeface="+mn-ea"/>
+                <a:sym typeface="+mn-ea"/>
+              </a:rPr>
+              <a:t>结构框架、</a:t>
+            </a:r>
+            <a:r>
+              <a:rPr lang="en-US" altLang="zh-CN" sz="2400" dirty="0">
+                <a:latin typeface="微软雅黑" panose="020B0503020204020204" charset="-122"/>
+                <a:ea typeface="微软雅黑" panose="020B0503020204020204" charset="-122"/>
+                <a:cs typeface="+mn-ea"/>
+                <a:sym typeface="+mn-ea"/>
+              </a:rPr>
+              <a:t>设计原理、关键技术实现</a:t>
+            </a:r>
+            <a:r>
+              <a:rPr lang="zh-CN" altLang="en-US" sz="2400" dirty="0">
+                <a:latin typeface="微软雅黑" panose="020B0503020204020204" charset="-122"/>
+                <a:ea typeface="微软雅黑" panose="020B0503020204020204" charset="-122"/>
+                <a:cs typeface="+mn-ea"/>
+                <a:sym typeface="+mn-ea"/>
+              </a:rPr>
+              <a:t>成果</a:t>
+            </a:r>
+            <a:r>
+              <a:rPr lang="en-US" altLang="zh-CN" sz="2400" dirty="0">
+                <a:latin typeface="微软雅黑" panose="020B0503020204020204" charset="-122"/>
+                <a:ea typeface="微软雅黑" panose="020B0503020204020204" charset="-122"/>
+                <a:cs typeface="+mn-ea"/>
+                <a:sym typeface="+mn-ea"/>
+              </a:rPr>
+              <a:t>和应用效果评估。</a:t>
+            </a:r>
+            <a:endParaRPr lang="en-US" altLang="zh-CN" sz="2400" dirty="0">
+              <a:latin typeface="微软雅黑" panose="020B0503020204020204" charset="-122"/>
+              <a:ea typeface="微软雅黑" panose="020B0503020204020204" charset="-122"/>
+              <a:cs typeface="+mn-ea"/>
+            </a:endParaRPr>
+          </a:p>
+          <a:p>
+            <a:pPr marL="471170" lvl="1" indent="0">
+              <a:buNone/>
+            </a:pPr>
+            <a:endParaRPr lang="en-US" altLang="zh-CN" sz="2400" dirty="0">
+              <a:latin typeface="微软雅黑" panose="020B0503020204020204" charset="-122"/>
+              <a:ea typeface="微软雅黑" panose="020B0503020204020204" charset="-122"/>
+              <a:cs typeface="+mn-ea"/>
+            </a:endParaRPr>
+          </a:p>
+        </p:txBody>
+      </p:sp>
+    </p:spTree>
+  </p:cSld>
+  <p:clrMapOvr>
+    <a:masterClrMapping/>
+  </p:clrMapOvr>
+  <p:transition spd="med">
+    <p:zoom/>
+  </p:transition>
+</p:sld>
+</file>
+
+<file path=ppt/slides/slide11.xml><?xml version="1.0" encoding="utf-8"?>
+<p:sld xmlns:a="http://schemas.openxmlformats.org/drawingml/2006/main" xmlns:r="http://schemas.openxmlformats.org/officeDocument/2006/relationships" xmlns:p="http://schemas.openxmlformats.org/presentationml/2006/main">
+  <p:cSld>
+    <p:spTree>
+      <p:nvGrpSpPr>
+        <p:cNvPr id="1" name=""/>
+        <p:cNvGrpSpPr/>
+        <p:nvPr/>
+      </p:nvGrpSpPr>
+      <p:grpSpPr>
+        <a:xfrm>
+          <a:off x="0" y="0"/>
+          <a:ext cx="0" cy="0"/>
+          <a:chOff x="0" y="0"/>
+          <a:chExt cx="0" cy="0"/>
+        </a:xfrm>
+      </p:grpSpPr>
+      <p:sp>
+        <p:nvSpPr>
+          <p:cNvPr id="20482" name="Rectangle 2"/>
+          <p:cNvSpPr>
+            <a:spLocks noGrp="1"/>
+          </p:cNvSpPr>
+          <p:nvPr>
+            <p:ph type="ctrTitle"/>
+          </p:nvPr>
+        </p:nvSpPr>
+        <p:spPr>
+          <a:xfrm>
+            <a:off x="684213" y="1196975"/>
+            <a:ext cx="3600450" cy="792163"/>
+          </a:xfrm>
+          <a:noFill/>
+          <a:ln>
+            <a:noFill/>
+          </a:ln>
+        </p:spPr>
+        <p:txBody>
+          <a:bodyPr/>
+          <a:lstStyle/>
+          <a:p>
+            <a:pPr eaLnBrk="1" hangingPunct="1">
+              <a:buClrTx/>
+              <a:buSzTx/>
+              <a:buFontTx/>
+            </a:pPr>
+            <a:r>
+              <a:rPr lang="zh-CN" altLang="en-US" sz="3600" b="1" dirty="0">
+                <a:solidFill>
+                  <a:srgbClr val="FF3300"/>
+                </a:solidFill>
+                <a:latin typeface="楷体" panose="02010609060101010101" pitchFamily="49" charset="-122"/>
+                <a:ea typeface="楷体" panose="02010609060101010101" pitchFamily="49" charset="-122"/>
+                <a:cs typeface="+mj-cs"/>
+              </a:rPr>
+              <a:t>感谢您的聆听 ！</a:t>
+            </a:r>
+            <a:endParaRPr lang="zh-CN" altLang="en-US" sz="3600" b="1" dirty="0">
+              <a:solidFill>
+                <a:srgbClr val="FF3300"/>
+              </a:solidFill>
+              <a:latin typeface="楷体" panose="02010609060101010101" pitchFamily="49" charset="-122"/>
+              <a:ea typeface="楷体" panose="02010609060101010101" pitchFamily="49" charset="-122"/>
+              <a:cs typeface="+mj-cs"/>
+            </a:endParaRPr>
+          </a:p>
+        </p:txBody>
+      </p:sp>
+      <p:sp>
+        <p:nvSpPr>
+          <p:cNvPr id="20483" name="Rectangle 3"/>
+          <p:cNvSpPr>
+            <a:spLocks noGrp="1"/>
+          </p:cNvSpPr>
+          <p:nvPr>
+            <p:ph type="subTitle" idx="4294967295"/>
+          </p:nvPr>
+        </p:nvSpPr>
+        <p:spPr>
+          <a:xfrm>
+            <a:off x="2124075" y="3429000"/>
+            <a:ext cx="4922838" cy="1276350"/>
+          </a:xfrm>
+          <a:prstGeom prst="rect">
+            <a:avLst/>
+          </a:prstGeom>
+          <a:noFill/>
+          <a:ln w="9525">
+            <a:noFill/>
+          </a:ln>
+        </p:spPr>
+        <p:txBody>
+          <a:bodyPr/>
+          <a:lstStyle>
+            <a:lvl1pPr marL="0" lvl="0" indent="0" algn="ctr">
+              <a:buClr>
+                <a:schemeClr val="accent2"/>
+              </a:buClr>
+              <a:buSzTx/>
+              <a:buFont typeface="Wingdings" panose="05000000000000000000" pitchFamily="2" charset="2"/>
+              <a:buNone/>
+              <a:defRPr/>
+            </a:lvl1pPr>
+            <a:lvl2pPr marL="471805" lvl="1" indent="0" algn="ctr">
+              <a:buClr>
+                <a:schemeClr val="accent2"/>
+              </a:buClr>
+              <a:buSzTx/>
+              <a:buFont typeface="Wingdings" panose="05000000000000000000" pitchFamily="2" charset="2"/>
+              <a:buNone/>
+              <a:defRPr/>
+            </a:lvl2pPr>
+            <a:lvl3pPr marL="909955" lvl="2" indent="0" algn="ctr">
+              <a:buClr>
+                <a:schemeClr val="accent2"/>
+              </a:buClr>
+              <a:buSzTx/>
+              <a:buFont typeface="Wingdings" panose="05000000000000000000" pitchFamily="2" charset="2"/>
+              <a:buNone/>
+              <a:defRPr/>
+            </a:lvl3pPr>
+            <a:lvl4pPr marL="1306830" lvl="3" indent="0" algn="ctr">
+              <a:buClr>
+                <a:schemeClr val="accent2"/>
+              </a:buClr>
+              <a:buSzTx/>
+              <a:buFont typeface="Wingdings" panose="05000000000000000000" pitchFamily="2" charset="2"/>
+              <a:buNone/>
+              <a:defRPr/>
+            </a:lvl4pPr>
+            <a:lvl5pPr marL="1695450" lvl="4" indent="0" algn="ctr">
+              <a:buClr>
+                <a:schemeClr val="accent2"/>
+              </a:buClr>
+              <a:buSzTx/>
+              <a:buFont typeface="Wingdings" panose="05000000000000000000" pitchFamily="2" charset="2"/>
+              <a:buNone/>
+              <a:defRPr/>
+            </a:lvl5pPr>
+          </a:lstStyle>
+          <a:p>
+            <a:pPr lvl="0" algn="l" eaLnBrk="1" hangingPunct="1">
+              <a:lnSpc>
+                <a:spcPct val="100000"/>
+              </a:lnSpc>
+            </a:pPr>
+            <a:r>
+              <a:rPr lang="zh-CN" altLang="en-US" sz="7200" b="1" dirty="0">
+                <a:solidFill>
+                  <a:srgbClr val="FF3300"/>
+                </a:solidFill>
+                <a:latin typeface="楷体" panose="02010609060101010101" pitchFamily="49" charset="-122"/>
+                <a:ea typeface="楷体" panose="02010609060101010101" pitchFamily="49" charset="-122"/>
+              </a:rPr>
+              <a:t>欢迎指正！</a:t>
+            </a:r>
+            <a:endParaRPr lang="zh-CN" altLang="en-US" sz="7200" b="1" dirty="0">
+              <a:solidFill>
+                <a:srgbClr val="FF3300"/>
+              </a:solidFill>
+              <a:latin typeface="楷体" panose="02010609060101010101" pitchFamily="49" charset="-122"/>
+              <a:ea typeface="楷体" panose="02010609060101010101" pitchFamily="49" charset="-122"/>
+            </a:endParaRPr>
+          </a:p>
+        </p:txBody>
+      </p:sp>
+    </p:spTree>
+  </p:cSld>
+  <p:clrMapOvr>
+    <a:masterClrMapping/>
+  </p:clrMapOvr>
+  <p:transition spd="med">
+    <p:zoom/>
+  </p:transition>
+</p:sld>
+</file>
+
 <file path=ppt/slides/slide2.xml><?xml version="1.0" encoding="utf-8"?>
 <p:sld xmlns:a="http://schemas.openxmlformats.org/drawingml/2006/main" xmlns:r="http://schemas.openxmlformats.org/officeDocument/2006/relationships" xmlns:p="http://schemas.openxmlformats.org/presentationml/2006/main">
   <p:cSld>
@@ -6062,6 +6519,25 @@
             <a:r>
               <a:rPr lang="zh-CN" altLang="en-US" dirty="0"/>
               <a:t>关键内容与技术</a:t>
+            </a:r>
+            <a:endParaRPr lang="zh-CN" altLang="en-US" dirty="0"/>
+          </a:p>
+          <a:p>
+            <a:pPr>
+              <a:lnSpc>
+                <a:spcPct val="170000"/>
+              </a:lnSpc>
+              <a:spcBef>
+                <a:spcPct val="0"/>
+              </a:spcBef>
+            </a:pPr>
+            <a:r>
+              <a:rPr lang="zh-CN" altLang="en-US" dirty="0"/>
+              <a:t>实习</a:t>
+            </a:r>
+            <a:r>
+              <a:rPr lang="zh-CN" altLang="en-US" dirty="0"/>
+              <a:t>情况</a:t>
             </a:r>
             <a:endParaRPr lang="zh-CN" altLang="en-US" dirty="0"/>
           </a:p>
@@ -6169,71 +6645,129 @@
             <a:endParaRPr lang="en-US" altLang="zh-CN" dirty="0"/>
           </a:p>
           <a:p>
-            <a:pPr marL="471170" lvl="1" indent="0">
+            <a:pPr marL="471170" lvl="1" indent="457200">
               <a:buNone/>
             </a:pPr>
             <a:r>
-              <a:rPr lang="en-US" altLang="zh-CN" dirty="0"/>
+              <a:rPr lang="en-US" altLang="zh-CN" sz="2400" dirty="0"/>
               <a:t>当代</a:t>
             </a:r>
             <a:r>
-              <a:rPr lang="zh-CN" altLang="en-US" dirty="0"/>
-              <a:t>人容易面临一些不健康的饮食生活习惯</a:t>
-            </a:r>
-            <a:r>
-              <a:rPr lang="en-US" altLang="zh-CN" dirty="0"/>
-              <a:t>。</a:t>
-            </a:r>
-            <a:r>
-              <a:rPr lang="zh-CN" altLang="en-US" dirty="0"/>
-              <a:t>这种情况</a:t>
-            </a:r>
-            <a:r>
-              <a:rPr lang="en-US" altLang="zh-CN" dirty="0"/>
-              <a:t>带来健康焦虑的同时也伴随着健康意识的提升</a:t>
-            </a:r>
-            <a:r>
-              <a:rPr lang="zh-CN" altLang="en-US" dirty="0"/>
-              <a:t>，让人们</a:t>
-            </a:r>
-            <a:r>
-              <a:rPr lang="zh-CN" altLang="en-US" dirty="0"/>
-              <a:t>对于健康饮食结构的需求也变得更高</a:t>
-            </a:r>
-            <a:endParaRPr lang="en-US" altLang="zh-CN" dirty="0"/>
-          </a:p>
-          <a:p>
+              <a:rPr lang="zh-CN" altLang="en-US" sz="2400" dirty="0"/>
+              <a:t>人对饮食</a:t>
+            </a:r>
+            <a:r>
+              <a:rPr lang="en-US" altLang="zh-CN" sz="2400" dirty="0"/>
+              <a:t>健康</a:t>
+            </a:r>
+            <a:r>
+              <a:rPr lang="zh-CN" altLang="en-US" sz="2400" dirty="0"/>
+              <a:t>抱有</a:t>
+            </a:r>
+            <a:r>
+              <a:rPr lang="en-US" altLang="zh-CN" sz="2400" dirty="0"/>
+              <a:t>焦虑的同时</a:t>
+            </a:r>
+            <a:r>
+              <a:rPr lang="zh-CN" altLang="en-US" sz="2400" dirty="0"/>
+              <a:t>，</a:t>
+            </a:r>
+            <a:r>
+              <a:rPr lang="en-US" altLang="zh-CN" sz="2400" dirty="0"/>
+              <a:t>健康意识</a:t>
+            </a:r>
+            <a:r>
+              <a:rPr lang="zh-CN" altLang="en-US" sz="2400" dirty="0"/>
+              <a:t>也得到</a:t>
+            </a:r>
+            <a:r>
+              <a:rPr lang="en-US" altLang="zh-CN" sz="2400" dirty="0"/>
+              <a:t>提升</a:t>
+            </a:r>
+            <a:r>
+              <a:rPr lang="zh-CN" altLang="en-US" sz="2400" dirty="0"/>
+              <a:t>，让人们对于健康饮食结构的需求变得更高，需要一款应用来</a:t>
+            </a:r>
+            <a:r>
+              <a:rPr lang="zh-CN" altLang="en-US" sz="2400" dirty="0">
+                <a:sym typeface="+mn-ea"/>
+              </a:rPr>
+              <a:t>记录自己的饮食结构</a:t>
+            </a:r>
+            <a:endParaRPr lang="en-US" altLang="zh-CN" sz="2400" dirty="0"/>
+          </a:p>
+          <a:p>
+            <a:r>
+              <a:rPr dirty="0">
+                <a:cs typeface="+mn-ea"/>
+                <a:sym typeface="+mn-ea"/>
+              </a:rPr>
+              <a:t>AI</a:t>
+            </a:r>
             <a:r>
               <a:rPr lang="zh-CN" altLang="en-US" dirty="0">
                 <a:sym typeface="+mn-ea"/>
               </a:rPr>
-              <a:t>基于这种情况，本课题希望开发出一个基于</a:t>
-            </a:r>
-            <a:r>
-              <a:rPr lang="en-US" altLang="zh-CN" dirty="0">
-                <a:sym typeface="+mn-ea"/>
-              </a:rPr>
-              <a:t>Android</a:t>
+              <a:t>大模型技术的</a:t>
             </a:r>
             <a:r>
               <a:rPr lang="zh-CN" altLang="en-US" dirty="0">
                 <a:sym typeface="+mn-ea"/>
               </a:rPr>
-              <a:t>系统的移动端饮食记录应用</a:t>
-            </a:r>
-            <a:r>
-              <a:rPr lang="zh-CN" altLang="en-US" dirty="0">
+              <a:t>发展</a:t>
+            </a:r>
+            <a:endParaRPr lang="zh-CN" altLang="en-US" dirty="0">
+              <a:sym typeface="+mn-ea"/>
+            </a:endParaRPr>
+          </a:p>
+          <a:p>
+            <a:pPr marL="471170" lvl="1" indent="457200">
+              <a:buNone/>
+            </a:pPr>
+            <a:r>
+              <a:rPr lang="zh-CN" altLang="en-US" sz="2400" dirty="0">
+                <a:cs typeface="+mn-ea"/>
                 <a:sym typeface="+mn-ea"/>
               </a:rPr>
-              <a:t>系统，帮助用户记录分析日常的饮食</a:t>
-            </a:r>
-            <a:r>
-              <a:rPr lang="zh-CN" altLang="en-US" dirty="0">
+              <a:t>随着</a:t>
+            </a:r>
+            <a:r>
+              <a:rPr sz="2400" dirty="0">
+                <a:cs typeface="+mn-ea"/>
                 <a:sym typeface="+mn-ea"/>
               </a:rPr>
-              <a:t>结构</a:t>
-            </a:r>
-            <a:endParaRPr lang="zh-CN" altLang="en-US" dirty="0">
+              <a:t>AI技术在图像处理领域的应用和发展</a:t>
+            </a:r>
+            <a:r>
+              <a:rPr lang="zh-CN" altLang="en-US" sz="2400" dirty="0">
+                <a:cs typeface="+mn-ea"/>
+                <a:sym typeface="+mn-ea"/>
+              </a:rPr>
+              <a:t>，本课题希望借助</a:t>
+            </a:r>
+            <a:r>
+              <a:rPr lang="en-US" altLang="zh-CN" sz="2400" dirty="0">
+                <a:cs typeface="+mn-ea"/>
+                <a:sym typeface="+mn-ea"/>
+              </a:rPr>
+              <a:t>AI</a:t>
+            </a:r>
+            <a:r>
+              <a:rPr lang="zh-CN" altLang="en-US" sz="2400" dirty="0">
+                <a:cs typeface="+mn-ea"/>
+                <a:sym typeface="+mn-ea"/>
+              </a:rPr>
+              <a:t>大模型来对食品进行快速识别，减少用户的使用成本，更加方便</a:t>
+            </a:r>
+            <a:r>
+              <a:rPr lang="zh-CN" altLang="en-US" sz="2400" dirty="0">
+                <a:cs typeface="+mn-ea"/>
+                <a:sym typeface="+mn-ea"/>
+              </a:rPr>
+              <a:t>快捷</a:t>
+            </a:r>
+            <a:endParaRPr lang="zh-CN" altLang="en-US" sz="2400" dirty="0">
+              <a:cs typeface="+mn-ea"/>
               <a:sym typeface="+mn-ea"/>
             </a:endParaRPr>
           </a:p>
@@ -6341,13 +6875,7 @@
               <a:rPr lang="zh-CN" altLang="en-US" dirty="0">
                 <a:sym typeface="+mn-ea"/>
               </a:rPr>
-              <a:t>应用界面系统</a:t>
-            </a:r>
-            <a:r>
-              <a:rPr lang="zh-CN" altLang="en-US" dirty="0">
-                <a:sym typeface="+mn-ea"/>
-              </a:rPr>
-              <a:t>的移动端</a:t>
+              <a:t>界面的移动端</a:t>
             </a:r>
             <a:r>
               <a:rPr lang="en-US" altLang="zh-CN" dirty="0">
@@ -6473,7 +7001,9 @@
           <a:lstStyle/>
           <a:p>
             <a:r>
-              <a:rPr lang="zh-CN" altLang="en-US" dirty="0"/>
+              <a:rPr lang="zh-CN" altLang="en-US" dirty="0">
+                <a:sym typeface="+mn-ea"/>
+              </a:rPr>
               <a:t>关键内容与技术</a:t>
             </a:r>
             <a:endParaRPr lang="zh-CN" altLang="en-US" dirty="0"/>
@@ -6491,6 +7021,10 @@
           </p:nvPr>
         </p:nvSpPr>
         <p:spPr>
+          <a:xfrm>
+            <a:off x="539750" y="1416685"/>
+            <a:ext cx="3317875" cy="3993515"/>
+          </a:xfrm>
           <a:noFill/>
           <a:ln>
             <a:noFill/>
@@ -6501,38 +7035,150 @@
           <a:lstStyle/>
           <a:p>
             <a:r>
-              <a:rPr lang="zh-CN" altLang="en-US" dirty="0"/>
-              <a:t>基于</a:t>
-            </a:r>
-            <a:r>
-              <a:rPr lang="en-US" altLang="zh-CN" dirty="0"/>
-              <a:t>Android</a:t>
-            </a:r>
-            <a:r>
-              <a:rPr lang="zh-CN" altLang="en-US" dirty="0"/>
-              <a:t>开发的应用客户</a:t>
-            </a:r>
-            <a:r>
-              <a:rPr lang="zh-CN" altLang="en-US" dirty="0"/>
-              <a:t>端</a:t>
-            </a:r>
-            <a:endParaRPr lang="zh-CN" altLang="en-US" dirty="0"/>
+              <a:rPr lang="zh-CN" altLang="en-US" dirty="0">
+                <a:sym typeface="+mn-ea"/>
+              </a:rPr>
+              <a:t>用户</a:t>
+            </a:r>
+            <a:r>
+              <a:rPr lang="zh-CN" altLang="en-US" dirty="0">
+                <a:sym typeface="+mn-ea"/>
+              </a:rPr>
+              <a:t>界面</a:t>
+            </a:r>
+            <a:endParaRPr lang="zh-CN" altLang="en-US" dirty="0">
+              <a:sym typeface="+mn-ea"/>
+            </a:endParaRPr>
+          </a:p>
+          <a:p>
+            <a:pPr marL="0" indent="457200">
+              <a:buNone/>
+            </a:pPr>
+            <a:r>
+              <a:rPr lang="en-US" altLang="zh-CN" sz="2000" dirty="0">
+                <a:latin typeface="微软雅黑" panose="020B0503020204020204" charset="-122"/>
+                <a:ea typeface="微软雅黑" panose="020B0503020204020204" charset="-122"/>
+                <a:cs typeface="微软雅黑" panose="020B0503020204020204" charset="-122"/>
+                <a:sym typeface="+mn-ea"/>
+              </a:rPr>
+              <a:t>完成</a:t>
+            </a:r>
+            <a:r>
+              <a:rPr lang="zh-CN" altLang="en-US" sz="2000" dirty="0">
+                <a:latin typeface="微软雅黑" panose="020B0503020204020204" charset="-122"/>
+                <a:ea typeface="微软雅黑" panose="020B0503020204020204" charset="-122"/>
+                <a:cs typeface="微软雅黑" panose="020B0503020204020204" charset="-122"/>
+                <a:sym typeface="+mn-ea"/>
+              </a:rPr>
+              <a:t>一套具有美观性与可交互性的应用</a:t>
+            </a:r>
+            <a:r>
+              <a:rPr lang="zh-CN" altLang="en-US" sz="2000" dirty="0">
+                <a:latin typeface="微软雅黑" panose="020B0503020204020204" charset="-122"/>
+                <a:ea typeface="微软雅黑" panose="020B0503020204020204" charset="-122"/>
+                <a:cs typeface="微软雅黑" panose="020B0503020204020204" charset="-122"/>
+                <a:sym typeface="+mn-ea"/>
+              </a:rPr>
+              <a:t>界面</a:t>
+            </a:r>
+            <a:r>
+              <a:rPr lang="en-US" altLang="zh-CN" sz="2000" dirty="0">
+                <a:latin typeface="微软雅黑" panose="020B0503020204020204" charset="-122"/>
+                <a:ea typeface="微软雅黑" panose="020B0503020204020204" charset="-122"/>
+                <a:cs typeface="微软雅黑" panose="020B0503020204020204" charset="-122"/>
+                <a:sym typeface="+mn-ea"/>
+              </a:rPr>
+              <a:t>，包括</a:t>
+            </a:r>
+            <a:r>
+              <a:rPr lang="zh-CN" altLang="en-US" sz="2000" dirty="0">
+                <a:latin typeface="微软雅黑" panose="020B0503020204020204" charset="-122"/>
+                <a:ea typeface="微软雅黑" panose="020B0503020204020204" charset="-122"/>
+                <a:cs typeface="微软雅黑" panose="020B0503020204020204" charset="-122"/>
+                <a:sym typeface="+mn-ea"/>
+              </a:rPr>
+              <a:t>首页展示模块、饮食记录模块、饮食统计</a:t>
+            </a:r>
+            <a:r>
+              <a:rPr lang="zh-CN" altLang="en-US" sz="2000" dirty="0">
+                <a:latin typeface="微软雅黑" panose="020B0503020204020204" charset="-122"/>
+                <a:ea typeface="微软雅黑" panose="020B0503020204020204" charset="-122"/>
+                <a:cs typeface="微软雅黑" panose="020B0503020204020204" charset="-122"/>
+                <a:sym typeface="+mn-ea"/>
+              </a:rPr>
+              <a:t>模块、体重记录模块</a:t>
+            </a:r>
+            <a:r>
+              <a:rPr lang="en-US" altLang="zh-CN" sz="2000" dirty="0">
+                <a:latin typeface="微软雅黑" panose="020B0503020204020204" charset="-122"/>
+                <a:ea typeface="微软雅黑" panose="020B0503020204020204" charset="-122"/>
+                <a:cs typeface="微软雅黑" panose="020B0503020204020204" charset="-122"/>
+                <a:sym typeface="+mn-ea"/>
+              </a:rPr>
+              <a:t>。</a:t>
+            </a:r>
+            <a:endParaRPr lang="en-US" altLang="zh-CN" sz="2000" dirty="0">
+              <a:latin typeface="微软雅黑" panose="020B0503020204020204" charset="-122"/>
+              <a:ea typeface="微软雅黑" panose="020B0503020204020204" charset="-122"/>
+              <a:cs typeface="微软雅黑" panose="020B0503020204020204" charset="-122"/>
+              <a:sym typeface="+mn-ea"/>
+            </a:endParaRPr>
+          </a:p>
+          <a:p>
+            <a:pPr marL="0" indent="457200">
+              <a:buNone/>
+            </a:pPr>
+            <a:r>
+              <a:rPr lang="en-US" altLang="zh-CN" sz="2000" dirty="0">
+                <a:latin typeface="微软雅黑" panose="020B0503020204020204" charset="-122"/>
+                <a:ea typeface="微软雅黑" panose="020B0503020204020204" charset="-122"/>
+                <a:cs typeface="微软雅黑" panose="020B0503020204020204" charset="-122"/>
+                <a:sym typeface="+mn-ea"/>
+              </a:rPr>
+              <a:t>系统能够稳定运行，在不同</a:t>
+            </a:r>
+            <a:r>
+              <a:rPr lang="zh-CN" altLang="en-US" sz="2000" dirty="0">
+                <a:latin typeface="微软雅黑" panose="020B0503020204020204" charset="-122"/>
+                <a:ea typeface="微软雅黑" panose="020B0503020204020204" charset="-122"/>
+                <a:cs typeface="微软雅黑" panose="020B0503020204020204" charset="-122"/>
+                <a:sym typeface="+mn-ea"/>
+              </a:rPr>
+              <a:t>类型的</a:t>
+            </a:r>
+            <a:r>
+              <a:rPr lang="en-US" altLang="zh-CN" sz="2000" dirty="0">
+                <a:latin typeface="微软雅黑" panose="020B0503020204020204" charset="-122"/>
+                <a:ea typeface="微软雅黑" panose="020B0503020204020204" charset="-122"/>
+                <a:cs typeface="微软雅黑" panose="020B0503020204020204" charset="-122"/>
+                <a:sym typeface="+mn-ea"/>
+              </a:rPr>
+              <a:t>Android设备上具有一定的兼容性</a:t>
+            </a:r>
+            <a:r>
+              <a:rPr lang="en-US" altLang="zh-CN" sz="1800" dirty="0">
+                <a:latin typeface="微软雅黑" panose="020B0503020204020204" charset="-122"/>
+                <a:ea typeface="微软雅黑" panose="020B0503020204020204" charset="-122"/>
+                <a:cs typeface="微软雅黑" panose="020B0503020204020204" charset="-122"/>
+                <a:sym typeface="+mn-ea"/>
+              </a:rPr>
+              <a:t>。</a:t>
+            </a:r>
+            <a:endParaRPr lang="en-US" altLang="zh-CN" sz="3200" dirty="0">
+              <a:latin typeface="微软雅黑" panose="020B0503020204020204" charset="-122"/>
+              <a:ea typeface="微软雅黑" panose="020B0503020204020204" charset="-122"/>
+              <a:cs typeface="微软雅黑" panose="020B0503020204020204" charset="-122"/>
+              <a:sym typeface="+mn-ea"/>
+            </a:endParaRPr>
           </a:p>
           <a:p>
             <a:pPr lvl="1"/>
-            <a:r>
-              <a:rPr lang="zh-CN" altLang="en-US" dirty="0"/>
-              <a:t>在原生安卓开发框架之上，整合</a:t>
-            </a:r>
-            <a:r>
-              <a:rPr lang="zh-CN" altLang="en-US" dirty="0"/>
-              <a:t>第三方库进行</a:t>
-            </a:r>
-            <a:r>
-              <a:rPr lang="zh-CN" altLang="en-US" dirty="0"/>
-              <a:t>开发</a:t>
-            </a:r>
-            <a:endParaRPr lang="zh-CN" altLang="en-US" dirty="0"/>
+            <a:endParaRPr lang="en-US" altLang="zh-CN" sz="3200" dirty="0">
+              <a:latin typeface="微软雅黑" panose="020B0503020204020204" charset="-122"/>
+              <a:ea typeface="微软雅黑" panose="020B0503020204020204" charset="-122"/>
+              <a:cs typeface="微软雅黑" panose="020B0503020204020204" charset="-122"/>
+              <a:sym typeface="+mn-ea"/>
+            </a:endParaRPr>
           </a:p>
         </p:txBody>
       </p:sp>
@@ -6546,15 +7192,40 @@
         </p:nvPicPr>
         <p:blipFill>
           <a:blip r:embed="rId1"/>
-          <a:srcRect t="2341" r="17335"/>
+          <a:srcRect t="3921"/>
           <a:stretch>
             <a:fillRect/>
           </a:stretch>
         </p:blipFill>
         <p:spPr>
           <a:xfrm>
-            <a:off x="539115" y="2984500"/>
-            <a:ext cx="7885430" cy="3152775"/>
+            <a:off x="4289425" y="1340485"/>
+            <a:ext cx="2155190" cy="4605655"/>
+          </a:xfrm>
+          <a:prstGeom prst="rect">
+            <a:avLst/>
+          </a:prstGeom>
+        </p:spPr>
+      </p:pic>
+      <p:pic>
+        <p:nvPicPr>
+          <p:cNvPr id="3" name="图片 2"/>
+          <p:cNvPicPr>
+            <a:picLocks noChangeAspect="1"/>
+          </p:cNvPicPr>
+          <p:nvPr/>
+        </p:nvPicPr>
+        <p:blipFill>
+          <a:blip r:embed="rId2"/>
+          <a:srcRect t="3922"/>
+          <a:stretch>
+            <a:fillRect/>
+          </a:stretch>
+        </p:blipFill>
+        <p:spPr>
+          <a:xfrm>
+            <a:off x="6732270" y="1341120"/>
+            <a:ext cx="2155825" cy="4605020"/>
           </a:xfrm>
           <a:prstGeom prst="rect">
             <a:avLst/>
@@ -6635,8 +7306,8 @@
         </p:nvSpPr>
         <p:spPr>
           <a:xfrm>
-            <a:off x="468630" y="1340485"/>
-            <a:ext cx="8207375" cy="2806065"/>
+            <a:off x="539750" y="1340485"/>
+            <a:ext cx="7720965" cy="876300"/>
           </a:xfrm>
           <a:noFill/>
           <a:ln>
@@ -6648,42 +7319,12 @@
           <a:lstStyle/>
           <a:p>
             <a:r>
-              <a:rPr lang="en-US" altLang="zh-CN" dirty="0"/>
-              <a:t>AI加持分析食物</a:t>
-            </a:r>
-            <a:endParaRPr lang="zh-CN" altLang="en-US" dirty="0"/>
-          </a:p>
-          <a:p>
-            <a:pPr lvl="1"/>
-            <a:r>
-              <a:rPr lang="zh-CN" altLang="en-US" dirty="0">
-                <a:sym typeface="+mn-ea"/>
-              </a:rPr>
-              <a:t>借助</a:t>
-            </a:r>
-            <a:r>
-              <a:rPr lang="en-US" altLang="zh-CN" dirty="0">
-                <a:sym typeface="+mn-ea"/>
-              </a:rPr>
-              <a:t>AI</a:t>
-            </a:r>
-            <a:r>
-              <a:rPr lang="zh-CN" altLang="en-US" dirty="0">
-                <a:sym typeface="+mn-ea"/>
-              </a:rPr>
-              <a:t>大模型，对拍摄的食物图片进行智能分析，</a:t>
-            </a:r>
-            <a:r>
-              <a:rPr lang="en-US" altLang="zh-CN" dirty="0">
-                <a:sym typeface="+mn-ea"/>
-              </a:rPr>
-              <a:t>通过图像识别、数据集成、智能估算</a:t>
-            </a:r>
-            <a:r>
-              <a:rPr lang="zh-CN" altLang="en-US" dirty="0">
-                <a:sym typeface="+mn-ea"/>
-              </a:rPr>
-              <a:t>，拍照记录代替繁琐的文字输入，便利用户快速记录自己的饮食结构</a:t>
+              <a:rPr lang="zh-CN" altLang="en-US" dirty="0"/>
+              <a:t>功能</a:t>
+            </a:r>
+            <a:r>
+              <a:rPr lang="zh-CN" altLang="en-US" dirty="0"/>
+              <a:t>模块</a:t>
             </a:r>
             <a:endParaRPr lang="zh-CN" altLang="en-US" dirty="0"/>
           </a:p>
@@ -6697,7 +7338,7 @@
       </p:sp>
       <p:pic>
         <p:nvPicPr>
-          <p:cNvPr id="2" name="图片 1"/>
+          <p:cNvPr id="3" name="图片 2"/>
           <p:cNvPicPr>
             <a:picLocks noChangeAspect="1"/>
           </p:cNvPicPr>
@@ -6711,8 +7352,8 @@
         </p:blipFill>
         <p:spPr>
           <a:xfrm>
-            <a:off x="4787900" y="3927475"/>
-            <a:ext cx="3701415" cy="2117090"/>
+            <a:off x="395605" y="1917065"/>
+            <a:ext cx="8453120" cy="3555365"/>
           </a:xfrm>
           <a:prstGeom prst="rect">
             <a:avLst/>
@@ -6773,11 +7414,7 @@
           <a:p>
             <a:r>
               <a:rPr lang="zh-CN" altLang="en-US" dirty="0"/>
-              <a:t>预期</a:t>
-            </a:r>
-            <a:r>
-              <a:rPr lang="zh-CN" altLang="en-US" dirty="0"/>
-              <a:t>成果</a:t>
+              <a:t>关键内容与技术</a:t>
             </a:r>
             <a:endParaRPr lang="zh-CN" altLang="en-US" dirty="0"/>
           </a:p>
@@ -6794,10 +7431,6 @@
           </p:nvPr>
         </p:nvSpPr>
         <p:spPr>
-          <a:xfrm>
-            <a:off x="539750" y="1416685"/>
-            <a:ext cx="8207375" cy="4695190"/>
-          </a:xfrm>
           <a:noFill/>
           <a:ln>
             <a:noFill/>
@@ -6809,105 +7442,61 @@
           <a:p>
             <a:r>
               <a:rPr lang="zh-CN" altLang="en-US" dirty="0"/>
-              <a:t>实现饮食记录与</a:t>
-            </a:r>
-            <a:r>
-              <a:rPr lang="en-US" altLang="zh-CN" dirty="0">
-                <a:sym typeface="+mn-ea"/>
-              </a:rPr>
-              <a:t>营养分析</a:t>
-            </a:r>
-            <a:endParaRPr lang="en-US" altLang="zh-CN" dirty="0">
-              <a:sym typeface="+mn-ea"/>
-            </a:endParaRPr>
+              <a:t>基于</a:t>
+            </a:r>
+            <a:r>
+              <a:rPr lang="en-US" altLang="zh-CN" dirty="0"/>
+              <a:t>Android</a:t>
+            </a:r>
+            <a:r>
+              <a:rPr lang="zh-CN" altLang="en-US" dirty="0"/>
+              <a:t>开发的应用客户</a:t>
+            </a:r>
+            <a:r>
+              <a:rPr lang="zh-CN" altLang="en-US" dirty="0"/>
+              <a:t>端</a:t>
+            </a:r>
+            <a:endParaRPr lang="zh-CN" altLang="en-US" dirty="0"/>
           </a:p>
           <a:p>
             <a:pPr lvl="1"/>
             <a:r>
-              <a:rPr lang="zh-CN" altLang="en-US" dirty="0">
-                <a:sym typeface="+mn-ea"/>
-              </a:rPr>
-              <a:t>实现</a:t>
-            </a:r>
-            <a:r>
-              <a:rPr lang="en-US" altLang="zh-CN" dirty="0">
-                <a:sym typeface="+mn-ea"/>
-              </a:rPr>
-              <a:t>AI加持分析</a:t>
-            </a:r>
-            <a:r>
-              <a:rPr lang="zh-CN" altLang="en-US" dirty="0">
-                <a:sym typeface="+mn-ea"/>
-              </a:rPr>
-              <a:t>、</a:t>
-            </a:r>
-            <a:r>
-              <a:rPr lang="en-US" altLang="zh-CN" dirty="0">
-                <a:sym typeface="+mn-ea"/>
-              </a:rPr>
-              <a:t>每日摄入</a:t>
-            </a:r>
-            <a:r>
-              <a:rPr lang="zh-CN" altLang="en-US" dirty="0">
-                <a:sym typeface="+mn-ea"/>
-              </a:rPr>
-              <a:t>记录、食物</a:t>
-            </a:r>
-            <a:r>
-              <a:rPr lang="en-US" altLang="zh-CN" dirty="0">
-                <a:sym typeface="+mn-ea"/>
-              </a:rPr>
-              <a:t>营养分析</a:t>
-            </a:r>
-            <a:r>
-              <a:rPr lang="zh-CN" altLang="en-US" dirty="0">
-                <a:sym typeface="+mn-ea"/>
-              </a:rPr>
-              <a:t>等功能</a:t>
-            </a:r>
-            <a:endParaRPr lang="zh-CN" altLang="en-US" dirty="0">
-              <a:sym typeface="+mn-ea"/>
-            </a:endParaRPr>
-          </a:p>
-          <a:p>
-            <a:pPr lvl="1"/>
-            <a:endParaRPr lang="zh-CN" altLang="en-US" dirty="0"/>
-          </a:p>
-          <a:p>
-            <a:r>
-              <a:rPr lang="zh-CN" altLang="en-US" dirty="0">
-                <a:sym typeface="+mn-ea"/>
-              </a:rPr>
-              <a:t>提供快捷有效的饮食帮助</a:t>
-            </a:r>
-            <a:endParaRPr lang="zh-CN" altLang="en-US" dirty="0">
-              <a:sym typeface="+mn-ea"/>
-            </a:endParaRPr>
-          </a:p>
-          <a:p>
-            <a:pPr lvl="1"/>
-            <a:r>
-              <a:rPr lang="zh-CN" altLang="en-US" dirty="0"/>
-              <a:t>通过</a:t>
-            </a:r>
-            <a:r>
-              <a:rPr lang="zh-CN" altLang="en-US" dirty="0">
-                <a:sym typeface="+mn-ea"/>
-              </a:rPr>
-              <a:t>上述功能，为用户提供饮食健康方面的快捷帮助，支撑用户形成健康的饮食</a:t>
-            </a:r>
-            <a:r>
-              <a:rPr lang="zh-CN" altLang="en-US" dirty="0">
-                <a:sym typeface="+mn-ea"/>
-              </a:rPr>
-              <a:t>习惯</a:t>
-            </a:r>
-            <a:endParaRPr lang="zh-CN" altLang="en-US" dirty="0">
-              <a:sym typeface="+mn-ea"/>
-            </a:endParaRPr>
+              <a:rPr lang="zh-CN" altLang="en-US" sz="2400" dirty="0"/>
+              <a:t>在原生安卓开发框架之上，整合第三方库进行</a:t>
+            </a:r>
+            <a:r>
+              <a:rPr lang="zh-CN" altLang="en-US" sz="2400" dirty="0"/>
+              <a:t>开发</a:t>
+            </a:r>
+            <a:endParaRPr lang="zh-CN" altLang="en-US" sz="2400" dirty="0"/>
           </a:p>
         </p:txBody>
       </p:sp>
+      <p:pic>
+        <p:nvPicPr>
+          <p:cNvPr id="2" name="图片 1"/>
+          <p:cNvPicPr>
+            <a:picLocks noChangeAspect="1"/>
+          </p:cNvPicPr>
+          <p:nvPr/>
+        </p:nvPicPr>
+        <p:blipFill>
+          <a:blip r:embed="rId1"/>
+          <a:srcRect t="2341" r="17335"/>
+          <a:stretch>
+            <a:fillRect/>
+          </a:stretch>
+        </p:blipFill>
+        <p:spPr>
+          <a:xfrm>
+            <a:off x="539115" y="2505075"/>
+            <a:ext cx="7885430" cy="3284220"/>
+          </a:xfrm>
+          <a:prstGeom prst="rect">
+            <a:avLst/>
+          </a:prstGeom>
+        </p:spPr>
+      </p:pic>
     </p:spTree>
   </p:cSld>
   <p:clrMapOvr>
@@ -6938,18 +7527,18 @@
       </p:grpSpPr>
       <p:sp>
         <p:nvSpPr>
-          <p:cNvPr id="20482" name="Rectangle 2"/>
+          <p:cNvPr id="19458" name="Rectangle 2"/>
           <p:cNvSpPr>
             <a:spLocks noGrp="1"/>
           </p:cNvSpPr>
           <p:nvPr>
-            <p:ph type="ctrTitle"/>
+            <p:ph type="title"/>
           </p:nvPr>
         </p:nvSpPr>
         <p:spPr>
           <a:xfrm>
-            <a:off x="684213" y="1196975"/>
-            <a:ext cx="3600450" cy="792163"/>
+            <a:off x="1115695" y="332423"/>
+            <a:ext cx="4464050" cy="747712"/>
           </a:xfrm>
           <a:noFill/>
           <a:ln>
@@ -6960,127 +7549,318 @@
           <a:bodyPr/>
           <a:lstStyle/>
           <a:p>
-            <a:pPr eaLnBrk="1" hangingPunct="1">
-              <a:buClrTx/>
-              <a:buSzTx/>
-              <a:buFontTx/>
-            </a:pPr>
-            <a:r>
-              <a:rPr lang="zh-CN" altLang="en-US" sz="3600" b="1" dirty="0">
-                <a:solidFill>
-                  <a:srgbClr val="FF3300"/>
-                </a:solidFill>
-                <a:latin typeface="楷体" panose="02010609060101010101" pitchFamily="49" charset="-122"/>
-                <a:ea typeface="楷体" panose="02010609060101010101" pitchFamily="49" charset="-122"/>
-                <a:cs typeface="+mj-cs"/>
-              </a:rPr>
-              <a:t>感谢您的聆听 ！</a:t>
-            </a:r>
-            <a:endParaRPr lang="zh-CN" altLang="en-US" sz="3600" b="1" dirty="0">
-              <a:solidFill>
-                <a:srgbClr val="FF3300"/>
-              </a:solidFill>
-              <a:latin typeface="楷体" panose="02010609060101010101" pitchFamily="49" charset="-122"/>
-              <a:ea typeface="楷体" panose="02010609060101010101" pitchFamily="49" charset="-122"/>
-              <a:cs typeface="+mj-cs"/>
-            </a:endParaRPr>
+            <a:r>
+              <a:rPr lang="zh-CN" altLang="en-US" dirty="0">
+                <a:sym typeface="+mn-ea"/>
+              </a:rPr>
+              <a:t>关键内容与技术</a:t>
+            </a:r>
+            <a:endParaRPr lang="zh-CN" altLang="en-US" dirty="0"/>
           </a:p>
         </p:txBody>
       </p:sp>
       <p:sp>
         <p:nvSpPr>
-          <p:cNvPr id="20483" name="Rectangle 3"/>
+          <p:cNvPr id="19459" name="Rectangle 3"/>
           <p:cNvSpPr>
             <a:spLocks noGrp="1"/>
           </p:cNvSpPr>
           <p:nvPr>
-            <p:ph type="subTitle" idx="4294967295"/>
+            <p:ph idx="1"/>
           </p:nvPr>
         </p:nvSpPr>
         <p:spPr>
           <a:xfrm>
-            <a:off x="2124075" y="3429000"/>
-            <a:ext cx="4922838" cy="1276350"/>
+            <a:off x="468630" y="1340485"/>
+            <a:ext cx="8207375" cy="2806065"/>
+          </a:xfrm>
+          <a:noFill/>
+          <a:ln>
+            <a:noFill/>
+          </a:ln>
+        </p:spPr>
+        <p:txBody>
+          <a:bodyPr/>
+          <a:lstStyle/>
+          <a:p>
+            <a:r>
+              <a:rPr lang="en-US" altLang="zh-CN" dirty="0"/>
+              <a:t>AI加持分析食物</a:t>
+            </a:r>
+            <a:endParaRPr lang="zh-CN" altLang="en-US" dirty="0"/>
+          </a:p>
+          <a:p>
+            <a:pPr lvl="1"/>
+            <a:r>
+              <a:rPr lang="zh-CN" altLang="en-US" dirty="0">
+                <a:latin typeface="微软雅黑" panose="020B0503020204020204" charset="-122"/>
+                <a:ea typeface="微软雅黑" panose="020B0503020204020204" charset="-122"/>
+                <a:cs typeface="微软雅黑" panose="020B0503020204020204" charset="-122"/>
+                <a:sym typeface="+mn-ea"/>
+              </a:rPr>
+              <a:t>借助</a:t>
+            </a:r>
+            <a:r>
+              <a:rPr lang="en-US" altLang="zh-CN" dirty="0">
+                <a:latin typeface="微软雅黑" panose="020B0503020204020204" charset="-122"/>
+                <a:ea typeface="微软雅黑" panose="020B0503020204020204" charset="-122"/>
+                <a:cs typeface="微软雅黑" panose="020B0503020204020204" charset="-122"/>
+                <a:sym typeface="+mn-ea"/>
+              </a:rPr>
+              <a:t>AI</a:t>
+            </a:r>
+            <a:r>
+              <a:rPr lang="zh-CN" altLang="en-US" dirty="0">
+                <a:latin typeface="微软雅黑" panose="020B0503020204020204" charset="-122"/>
+                <a:ea typeface="微软雅黑" panose="020B0503020204020204" charset="-122"/>
+                <a:cs typeface="微软雅黑" panose="020B0503020204020204" charset="-122"/>
+                <a:sym typeface="+mn-ea"/>
+              </a:rPr>
+              <a:t>大模型，对拍摄的食物图片进行智能分析，</a:t>
+            </a:r>
+            <a:r>
+              <a:rPr lang="en-US" altLang="zh-CN" dirty="0">
+                <a:latin typeface="微软雅黑" panose="020B0503020204020204" charset="-122"/>
+                <a:ea typeface="微软雅黑" panose="020B0503020204020204" charset="-122"/>
+                <a:cs typeface="微软雅黑" panose="020B0503020204020204" charset="-122"/>
+                <a:sym typeface="+mn-ea"/>
+              </a:rPr>
+              <a:t>通过图像识别、数据集成、智能估算</a:t>
+            </a:r>
+            <a:r>
+              <a:rPr lang="zh-CN" altLang="en-US" dirty="0">
+                <a:latin typeface="微软雅黑" panose="020B0503020204020204" charset="-122"/>
+                <a:ea typeface="微软雅黑" panose="020B0503020204020204" charset="-122"/>
+                <a:cs typeface="微软雅黑" panose="020B0503020204020204" charset="-122"/>
+                <a:sym typeface="+mn-ea"/>
+              </a:rPr>
+              <a:t>，拍照记录代替繁琐的文字输入，便利用户快速记录自己的饮食结构</a:t>
+            </a:r>
+            <a:endParaRPr lang="zh-CN" altLang="en-US" dirty="0">
+              <a:latin typeface="微软雅黑" panose="020B0503020204020204" charset="-122"/>
+              <a:ea typeface="微软雅黑" panose="020B0503020204020204" charset="-122"/>
+              <a:cs typeface="微软雅黑" panose="020B0503020204020204" charset="-122"/>
+            </a:endParaRPr>
+          </a:p>
+          <a:p>
+            <a:pPr marL="0" indent="0">
+              <a:buNone/>
+            </a:pPr>
+            <a:endParaRPr lang="en-US" altLang="zh-CN" dirty="0">
+              <a:latin typeface="微软雅黑" panose="020B0503020204020204" charset="-122"/>
+              <a:ea typeface="微软雅黑" panose="020B0503020204020204" charset="-122"/>
+              <a:cs typeface="微软雅黑" panose="020B0503020204020204" charset="-122"/>
+            </a:endParaRPr>
+          </a:p>
+        </p:txBody>
+      </p:sp>
+      <p:pic>
+        <p:nvPicPr>
+          <p:cNvPr id="2" name="图片 1"/>
+          <p:cNvPicPr>
+            <a:picLocks noChangeAspect="1"/>
+          </p:cNvPicPr>
+          <p:nvPr/>
+        </p:nvPicPr>
+        <p:blipFill>
+          <a:blip r:embed="rId1"/>
+          <a:stretch>
+            <a:fillRect/>
+          </a:stretch>
+        </p:blipFill>
+        <p:spPr>
+          <a:xfrm>
+            <a:off x="4787900" y="3860800"/>
+            <a:ext cx="3701415" cy="2117090"/>
           </a:xfrm>
           <a:prstGeom prst="rect">
             <a:avLst/>
           </a:prstGeom>
+        </p:spPr>
+      </p:pic>
+    </p:spTree>
+  </p:cSld>
+  <p:clrMapOvr>
+    <a:masterClrMapping/>
+  </p:clrMapOvr>
+  <p:transition spd="med">
+    <p:zoom/>
+  </p:transition>
+</p:sld>
+</file>
+
+<file path=ppt/slides/slide9.xml><?xml version="1.0" encoding="utf-8"?>
+<p:sld xmlns:a="http://schemas.openxmlformats.org/drawingml/2006/main" xmlns:r="http://schemas.openxmlformats.org/officeDocument/2006/relationships" xmlns:p="http://schemas.openxmlformats.org/presentationml/2006/main">
+  <p:cSld>
+    <p:spTree>
+      <p:nvGrpSpPr>
+        <p:cNvPr id="1" name=""/>
+        <p:cNvGrpSpPr/>
+        <p:nvPr/>
+      </p:nvGrpSpPr>
+      <p:grpSpPr>
+        <a:xfrm>
+          <a:off x="0" y="0"/>
+          <a:ext cx="0" cy="0"/>
+          <a:chOff x="0" y="0"/>
+          <a:chExt cx="0" cy="0"/>
+        </a:xfrm>
+      </p:grpSpPr>
+      <p:sp>
+        <p:nvSpPr>
+          <p:cNvPr id="19458" name="Rectangle 2"/>
+          <p:cNvSpPr>
+            <a:spLocks noGrp="1"/>
+          </p:cNvSpPr>
+          <p:nvPr>
+            <p:ph type="title"/>
+          </p:nvPr>
+        </p:nvSpPr>
+        <p:spPr>
+          <a:xfrm>
+            <a:off x="1115695" y="332423"/>
+            <a:ext cx="4464050" cy="747712"/>
+          </a:xfrm>
           <a:noFill/>
-          <a:ln w="9525">
+          <a:ln>
             <a:noFill/>
           </a:ln>
         </p:spPr>
         <p:txBody>
           <a:bodyPr/>
-          <a:lstStyle>
-            <a:lvl1pPr marL="0" lvl="0" indent="0" algn="ctr">
-              <a:buClr>
-                <a:schemeClr val="accent2"/>
-              </a:buClr>
-              <a:buSzTx/>
-              <a:buFont typeface="Wingdings" panose="05000000000000000000" pitchFamily="2" charset="2"/>
-              <a:buNone/>
-              <a:defRPr/>
-            </a:lvl1pPr>
-            <a:lvl2pPr marL="471805" lvl="1" indent="0" algn="ctr">
-              <a:buClr>
-                <a:schemeClr val="accent2"/>
-              </a:buClr>
-              <a:buSzTx/>
-              <a:buFont typeface="Wingdings" panose="05000000000000000000" pitchFamily="2" charset="2"/>
-              <a:buNone/>
-              <a:defRPr/>
-            </a:lvl2pPr>
-            <a:lvl3pPr marL="909955" lvl="2" indent="0" algn="ctr">
-              <a:buClr>
-                <a:schemeClr val="accent2"/>
-              </a:buClr>
-              <a:buSzTx/>
-              <a:buFont typeface="Wingdings" panose="05000000000000000000" pitchFamily="2" charset="2"/>
-              <a:buNone/>
-              <a:defRPr/>
-            </a:lvl3pPr>
-            <a:lvl4pPr marL="1306830" lvl="3" indent="0" algn="ctr">
-              <a:buClr>
-                <a:schemeClr val="accent2"/>
-              </a:buClr>
-              <a:buSzTx/>
-              <a:buFont typeface="Wingdings" panose="05000000000000000000" pitchFamily="2" charset="2"/>
-              <a:buNone/>
-              <a:defRPr/>
-            </a:lvl4pPr>
-            <a:lvl5pPr marL="1695450" lvl="4" indent="0" algn="ctr">
-              <a:buClr>
-                <a:schemeClr val="accent2"/>
-              </a:buClr>
-              <a:buSzTx/>
-              <a:buFont typeface="Wingdings" panose="05000000000000000000" pitchFamily="2" charset="2"/>
-              <a:buNone/>
-              <a:defRPr/>
-            </a:lvl5pPr>
-          </a:lstStyle>
-          <a:p>
-            <a:pPr lvl="0" algn="l" eaLnBrk="1" hangingPunct="1">
-              <a:lnSpc>
-                <a:spcPct val="100000"/>
-              </a:lnSpc>
-            </a:pPr>
-            <a:r>
-              <a:rPr lang="zh-CN" altLang="en-US" sz="7200" b="1" dirty="0">
-                <a:solidFill>
-                  <a:srgbClr val="FF3300"/>
-                </a:solidFill>
-                <a:latin typeface="楷体" panose="02010609060101010101" pitchFamily="49" charset="-122"/>
-                <a:ea typeface="楷体" panose="02010609060101010101" pitchFamily="49" charset="-122"/>
-              </a:rPr>
-              <a:t>欢迎指正！</a:t>
-            </a:r>
-            <a:endParaRPr lang="zh-CN" altLang="en-US" sz="7200" b="1" dirty="0">
-              <a:solidFill>
-                <a:srgbClr val="FF3300"/>
-              </a:solidFill>
-              <a:latin typeface="楷体" panose="02010609060101010101" pitchFamily="49" charset="-122"/>
-              <a:ea typeface="楷体" panose="02010609060101010101" pitchFamily="49" charset="-122"/>
+          <a:lstStyle/>
+          <a:p>
+            <a:r>
+              <a:rPr lang="zh-CN" altLang="en-US" dirty="0"/>
+              <a:t>实习</a:t>
+            </a:r>
+            <a:r>
+              <a:rPr lang="zh-CN" altLang="en-US" dirty="0"/>
+              <a:t>情况</a:t>
+            </a:r>
+            <a:endParaRPr lang="zh-CN" altLang="en-US" dirty="0"/>
+          </a:p>
+        </p:txBody>
+      </p:sp>
+      <p:sp>
+        <p:nvSpPr>
+          <p:cNvPr id="19459" name="Rectangle 3"/>
+          <p:cNvSpPr>
+            <a:spLocks noGrp="1"/>
+          </p:cNvSpPr>
+          <p:nvPr>
+            <p:ph idx="1"/>
+          </p:nvPr>
+        </p:nvSpPr>
+        <p:spPr>
+          <a:xfrm>
+            <a:off x="468630" y="1340485"/>
+            <a:ext cx="8207375" cy="4531995"/>
+          </a:xfrm>
+          <a:noFill/>
+          <a:ln>
+            <a:noFill/>
+          </a:ln>
+        </p:spPr>
+        <p:txBody>
+          <a:bodyPr/>
+          <a:lstStyle/>
+          <a:p>
+            <a:r>
+              <a:rPr lang="zh-CN" altLang="en-US" sz="2000" dirty="0">
+                <a:latin typeface="微软雅黑" panose="020B0503020204020204" charset="-122"/>
+                <a:ea typeface="微软雅黑" panose="020B0503020204020204" charset="-122"/>
+                <a:cs typeface="微软雅黑" panose="020B0503020204020204" charset="-122"/>
+              </a:rPr>
+              <a:t>实习单位及岗位：小米集团（南京）---安卓软件工程师</a:t>
+            </a:r>
+            <a:endParaRPr lang="zh-CN" altLang="en-US" sz="2000" dirty="0">
+              <a:latin typeface="微软雅黑" panose="020B0503020204020204" charset="-122"/>
+              <a:ea typeface="微软雅黑" panose="020B0503020204020204" charset="-122"/>
+              <a:cs typeface="微软雅黑" panose="020B0503020204020204" charset="-122"/>
+            </a:endParaRPr>
+          </a:p>
+          <a:p>
+            <a:endParaRPr lang="zh-CN" altLang="en-US" sz="2000" dirty="0">
+              <a:latin typeface="微软雅黑" panose="020B0503020204020204" charset="-122"/>
+              <a:ea typeface="微软雅黑" panose="020B0503020204020204" charset="-122"/>
+              <a:cs typeface="微软雅黑" panose="020B0503020204020204" charset="-122"/>
+            </a:endParaRPr>
+          </a:p>
+          <a:p>
+            <a:r>
+              <a:rPr lang="zh-CN" altLang="en-US" sz="2000" dirty="0">
+                <a:latin typeface="微软雅黑" panose="020B0503020204020204" charset="-122"/>
+                <a:ea typeface="微软雅黑" panose="020B0503020204020204" charset="-122"/>
+                <a:cs typeface="微软雅黑" panose="020B0503020204020204" charset="-122"/>
+              </a:rPr>
+              <a:t>实习时间：2024.07.11~至今</a:t>
+            </a:r>
+            <a:endParaRPr lang="zh-CN" altLang="en-US" sz="2000" dirty="0">
+              <a:latin typeface="微软雅黑" panose="020B0503020204020204" charset="-122"/>
+              <a:ea typeface="微软雅黑" panose="020B0503020204020204" charset="-122"/>
+              <a:cs typeface="微软雅黑" panose="020B0503020204020204" charset="-122"/>
+            </a:endParaRPr>
+          </a:p>
+          <a:p>
+            <a:endParaRPr lang="zh-CN" altLang="en-US" sz="2000" dirty="0">
+              <a:latin typeface="微软雅黑" panose="020B0503020204020204" charset="-122"/>
+              <a:ea typeface="微软雅黑" panose="020B0503020204020204" charset="-122"/>
+              <a:cs typeface="微软雅黑" panose="020B0503020204020204" charset="-122"/>
+            </a:endParaRPr>
+          </a:p>
+          <a:p>
+            <a:r>
+              <a:rPr lang="zh-CN" altLang="en-US" sz="2000" dirty="0">
+                <a:latin typeface="微软雅黑" panose="020B0503020204020204" charset="-122"/>
+                <a:ea typeface="微软雅黑" panose="020B0503020204020204" charset="-122"/>
+                <a:cs typeface="微软雅黑" panose="020B0503020204020204" charset="-122"/>
+              </a:rPr>
+              <a:t>实习内容：安卓客户端的开发与维护，参与完整的开发流程，参与业务开发迭代，持续维护项目</a:t>
+            </a:r>
+            <a:endParaRPr lang="zh-CN" altLang="en-US" sz="2000" dirty="0">
+              <a:latin typeface="微软雅黑" panose="020B0503020204020204" charset="-122"/>
+              <a:ea typeface="微软雅黑" panose="020B0503020204020204" charset="-122"/>
+              <a:cs typeface="微软雅黑" panose="020B0503020204020204" charset="-122"/>
+            </a:endParaRPr>
+          </a:p>
+          <a:p>
+            <a:endParaRPr lang="zh-CN" altLang="en-US" sz="2000" dirty="0">
+              <a:latin typeface="微软雅黑" panose="020B0503020204020204" charset="-122"/>
+              <a:ea typeface="微软雅黑" panose="020B0503020204020204" charset="-122"/>
+              <a:cs typeface="微软雅黑" panose="020B0503020204020204" charset="-122"/>
+            </a:endParaRPr>
+          </a:p>
+          <a:p>
+            <a:r>
+              <a:rPr lang="zh-CN" altLang="en-US" sz="2000" dirty="0">
+                <a:latin typeface="微软雅黑" panose="020B0503020204020204" charset="-122"/>
+                <a:ea typeface="微软雅黑" panose="020B0503020204020204" charset="-122"/>
+                <a:cs typeface="微软雅黑" panose="020B0503020204020204" charset="-122"/>
+              </a:rPr>
+              <a:t>实习收获：通过实际工作学习，了解项目开发流程规范，提升编程技能、熟悉编程工具的使用。通过</a:t>
+            </a:r>
+            <a:r>
+              <a:rPr lang="zh-CN" altLang="en-US" sz="2000" dirty="0">
+                <a:latin typeface="微软雅黑" panose="020B0503020204020204" charset="-122"/>
+                <a:ea typeface="微软雅黑" panose="020B0503020204020204" charset="-122"/>
+                <a:cs typeface="微软雅黑" panose="020B0503020204020204" charset="-122"/>
+                <a:sym typeface="+mn-ea"/>
+              </a:rPr>
+              <a:t>运用</a:t>
+            </a:r>
+            <a:r>
+              <a:rPr lang="zh-CN" altLang="en-US" sz="2000" dirty="0">
+                <a:latin typeface="微软雅黑" panose="020B0503020204020204" charset="-122"/>
+                <a:ea typeface="微软雅黑" panose="020B0503020204020204" charset="-122"/>
+                <a:cs typeface="微软雅黑" panose="020B0503020204020204" charset="-122"/>
+              </a:rPr>
+              <a:t>实习实践收获的经验技能，有助于提高毕业设计的项目质量</a:t>
+            </a:r>
+            <a:endParaRPr lang="zh-CN" altLang="en-US" sz="2000" dirty="0">
+              <a:latin typeface="微软雅黑" panose="020B0503020204020204" charset="-122"/>
+              <a:ea typeface="微软雅黑" panose="020B0503020204020204" charset="-122"/>
+              <a:cs typeface="微软雅黑" panose="020B0503020204020204" charset="-122"/>
             </a:endParaRPr>
           </a:p>
         </p:txBody>
